--- a/Presentation1.pptx
+++ b/Presentation1.pptx
@@ -13,8 +13,9 @@
     <p:sldId id="261" r:id="rId7"/>
     <p:sldId id="262" r:id="rId8"/>
     <p:sldId id="263" r:id="rId9"/>
-    <p:sldId id="264" r:id="rId10"/>
-    <p:sldId id="265" r:id="rId11"/>
+    <p:sldId id="266" r:id="rId10"/>
+    <p:sldId id="264" r:id="rId11"/>
+    <p:sldId id="265" r:id="rId12"/>
   </p:sldIdLst>
   <p:sldSz cx="12192000" cy="6858000"/>
   <p:notesSz cx="6858000" cy="9144000"/>
@@ -3665,6 +3666,127 @@
           <a:lstStyle/>
           <a:p>
             <a:r>
+              <a:rPr lang="en-US" dirty="0" smtClean="0"/>
+              <a:t>Technology used</a:t>
+            </a:r>
+            <a:endParaRPr lang="en-US" dirty="0"/>
+          </a:p>
+        </p:txBody>
+      </p:sp>
+      <p:sp>
+        <p:nvSpPr>
+          <p:cNvPr id="3" name="Content Placeholder 2"/>
+          <p:cNvSpPr>
+            <a:spLocks noGrp="1"/>
+          </p:cNvSpPr>
+          <p:nvPr>
+            <p:ph idx="1"/>
+          </p:nvPr>
+        </p:nvSpPr>
+        <p:spPr/>
+        <p:txBody>
+          <a:bodyPr/>
+          <a:lstStyle/>
+          <a:p>
+            <a:r>
+              <a:rPr lang="en-US" dirty="0" smtClean="0"/>
+              <a:t>Python 3.6 </a:t>
+            </a:r>
+          </a:p>
+          <a:p>
+            <a:r>
+              <a:rPr lang="en-US" dirty="0" err="1" smtClean="0"/>
+              <a:t>Mathplotlib</a:t>
+            </a:r>
+            <a:r>
+              <a:rPr lang="en-US" dirty="0" smtClean="0"/>
+              <a:t> for graphs </a:t>
+            </a:r>
+          </a:p>
+          <a:p>
+            <a:r>
+              <a:rPr lang="en-US" dirty="0" smtClean="0"/>
+              <a:t>Multithreading for parallelism</a:t>
+            </a:r>
+          </a:p>
+          <a:p>
+            <a:r>
+              <a:rPr lang="en-US" dirty="0" err="1" smtClean="0"/>
+              <a:t>Github</a:t>
+            </a:r>
+            <a:r>
+              <a:rPr lang="en-US" dirty="0"/>
+              <a:t> - https://</a:t>
+            </a:r>
+            <a:r>
+              <a:rPr lang="en-US" dirty="0" err="1"/>
+              <a:t>github.com</a:t>
+            </a:r>
+            <a:r>
+              <a:rPr lang="en-US" dirty="0"/>
+              <a:t>/Ezi0aaudit0re/</a:t>
+            </a:r>
+            <a:r>
+              <a:rPr lang="en-US" dirty="0" err="1"/>
+              <a:t>visualization_sorting_algorithms</a:t>
+            </a:r>
+            <a:r>
+              <a:rPr lang="en-US" dirty="0"/>
+              <a:t> </a:t>
+            </a:r>
+            <a:endParaRPr lang="en-US" dirty="0" smtClean="0"/>
+          </a:p>
+          <a:p>
+            <a:endParaRPr lang="en-US" dirty="0" smtClean="0"/>
+          </a:p>
+        </p:txBody>
+      </p:sp>
+    </p:spTree>
+    <p:extLst>
+      <p:ext uri="{BB962C8B-B14F-4D97-AF65-F5344CB8AC3E}">
+        <p14:creationId xmlns:p14="http://schemas.microsoft.com/office/powerpoint/2010/main" val="2078693501"/>
+      </p:ext>
+    </p:extLst>
+  </p:cSld>
+  <p:clrMapOvr>
+    <a:masterClrMapping/>
+  </p:clrMapOvr>
+</p:sld>
+</file>
+
+<file path=ppt/slides/slide11.xml><?xml version="1.0" encoding="utf-8"?>
+<p:sld xmlns:a="http://schemas.openxmlformats.org/drawingml/2006/main" xmlns:r="http://schemas.openxmlformats.org/officeDocument/2006/relationships" xmlns:p="http://schemas.openxmlformats.org/presentationml/2006/main">
+  <p:cSld>
+    <p:spTree>
+      <p:nvGrpSpPr>
+        <p:cNvPr id="1" name=""/>
+        <p:cNvGrpSpPr/>
+        <p:nvPr/>
+      </p:nvGrpSpPr>
+      <p:grpSpPr>
+        <a:xfrm>
+          <a:off x="0" y="0"/>
+          <a:ext cx="0" cy="0"/>
+          <a:chOff x="0" y="0"/>
+          <a:chExt cx="0" cy="0"/>
+        </a:xfrm>
+      </p:grpSpPr>
+      <p:sp>
+        <p:nvSpPr>
+          <p:cNvPr id="2" name="Title 1"/>
+          <p:cNvSpPr>
+            <a:spLocks noGrp="1"/>
+          </p:cNvSpPr>
+          <p:nvPr>
+            <p:ph type="title"/>
+          </p:nvPr>
+        </p:nvSpPr>
+        <p:spPr/>
+        <p:txBody>
+          <a:bodyPr/>
+          <a:lstStyle/>
+          <a:p>
+            <a:r>
               <a:rPr lang="en-US" dirty="0" err="1" smtClean="0"/>
               <a:t>RefErences</a:t>
             </a:r>
@@ -3990,7 +4112,11 @@
           <a:p>
             <a:r>
               <a:rPr lang="en-US" dirty="0" smtClean="0"/>
-              <a:t>Merge Sort time Analysis</a:t>
+              <a:t>Merge Sort </a:t>
+            </a:r>
+            <a:r>
+              <a:rPr lang="en-US" smtClean="0"/>
+              <a:t>time Complexity Analysis</a:t>
             </a:r>
             <a:endParaRPr lang="en-US" dirty="0"/>
           </a:p>
@@ -4194,7 +4320,7 @@
           <a:p>
             <a:r>
               <a:rPr lang="en-US" dirty="0" smtClean="0"/>
-              <a:t>QUICK SORT Time ANALYSIS</a:t>
+              <a:t>QUICK SORT Time Complexity ANALYSIS</a:t>
             </a:r>
             <a:endParaRPr lang="en-US" dirty="0"/>
           </a:p>
@@ -4406,7 +4532,7 @@
           <a:p>
             <a:r>
               <a:rPr lang="en-US" dirty="0" smtClean="0"/>
-              <a:t>Insertion Sort time analysis</a:t>
+              <a:t>Insertion Sort time Complexity analysis</a:t>
             </a:r>
             <a:endParaRPr lang="en-US" dirty="0"/>
           </a:p>
@@ -4538,7 +4664,7 @@
           <a:p>
             <a:r>
               <a:rPr lang="en-US" dirty="0" smtClean="0"/>
-              <a:t>Max Heap Sort</a:t>
+              <a:t>Heap Sort</a:t>
             </a:r>
             <a:endParaRPr lang="en-US" dirty="0"/>
           </a:p>
@@ -4625,7 +4751,7 @@
           <a:p>
             <a:r>
               <a:rPr lang="en-US" dirty="0" smtClean="0"/>
-              <a:t>Technology used</a:t>
+              <a:t>HEAP SORT TIME Complexity ANALYSIS</a:t>
             </a:r>
             <a:endParaRPr lang="en-US" dirty="0"/>
           </a:p>
@@ -4648,57 +4774,101 @@
           <a:p>
             <a:r>
               <a:rPr lang="en-US" dirty="0" smtClean="0"/>
-              <a:t>Python 3.6 </a:t>
-            </a:r>
-          </a:p>
-          <a:p>
-            <a:r>
-              <a:rPr lang="en-US" dirty="0" err="1" smtClean="0"/>
-              <a:t>Mathplotlib</a:t>
-            </a:r>
-            <a:r>
-              <a:rPr lang="en-US" dirty="0" smtClean="0"/>
-              <a:t> for graphs </a:t>
-            </a:r>
-          </a:p>
-          <a:p>
-            <a:r>
-              <a:rPr lang="en-US" dirty="0" smtClean="0"/>
-              <a:t>Multithreading for parallelism</a:t>
-            </a:r>
-          </a:p>
-          <a:p>
-            <a:r>
-              <a:rPr lang="en-US" dirty="0" err="1" smtClean="0"/>
-              <a:t>Github</a:t>
+              <a:t>Worst Case </a:t>
             </a:r>
             <a:r>
               <a:rPr lang="en-US" dirty="0"/>
-              <a:t> - https://</a:t>
-            </a:r>
-            <a:r>
-              <a:rPr lang="en-US" dirty="0" err="1"/>
-              <a:t>github.com</a:t>
-            </a:r>
-            <a:r>
-              <a:rPr lang="en-US" dirty="0"/>
-              <a:t>/Ezi0aaudit0re/</a:t>
-            </a:r>
-            <a:r>
-              <a:rPr lang="en-US"/>
-              <a:t>visualization_sorting_algorithms </a:t>
+              <a:t>O(n log(n</a:t>
+            </a:r>
+            <a:r>
+              <a:rPr lang="en-US" dirty="0" smtClean="0"/>
+              <a:t>))</a:t>
+            </a:r>
+          </a:p>
+          <a:p>
+            <a:r>
+              <a:rPr lang="en-US" dirty="0" smtClean="0"/>
+              <a:t>Average Case </a:t>
+            </a:r>
+            <a:r>
+              <a:rPr lang="mr-IN" dirty="0" err="1"/>
+              <a:t>Θ</a:t>
+            </a:r>
+            <a:r>
+              <a:rPr lang="mr-IN" dirty="0"/>
+              <a:t>(</a:t>
+            </a:r>
+            <a:r>
+              <a:rPr lang="mr-IN" dirty="0" err="1"/>
+              <a:t>n</a:t>
+            </a:r>
+            <a:r>
+              <a:rPr lang="mr-IN" dirty="0"/>
+              <a:t> </a:t>
+            </a:r>
+            <a:r>
+              <a:rPr lang="mr-IN" dirty="0" err="1"/>
+              <a:t>log</a:t>
+            </a:r>
+            <a:r>
+              <a:rPr lang="mr-IN" dirty="0"/>
+              <a:t>(</a:t>
+            </a:r>
+            <a:r>
+              <a:rPr lang="mr-IN" dirty="0" err="1"/>
+              <a:t>n</a:t>
+            </a:r>
+            <a:r>
+              <a:rPr lang="mr-IN" dirty="0" smtClean="0"/>
+              <a:t>))</a:t>
             </a:r>
             <a:endParaRPr lang="en-US" dirty="0" smtClean="0"/>
           </a:p>
           <a:p>
-            <a:endParaRPr lang="en-US" dirty="0" smtClean="0"/>
+            <a:r>
+              <a:rPr lang="en-US" dirty="0" smtClean="0"/>
+              <a:t>Best Case </a:t>
+            </a:r>
+            <a:r>
+              <a:rPr lang="mr-IN" dirty="0" err="1"/>
+              <a:t>Ω</a:t>
+            </a:r>
+            <a:r>
+              <a:rPr lang="mr-IN" dirty="0"/>
+              <a:t>(</a:t>
+            </a:r>
+            <a:r>
+              <a:rPr lang="mr-IN" dirty="0" err="1"/>
+              <a:t>n</a:t>
+            </a:r>
+            <a:r>
+              <a:rPr lang="mr-IN" dirty="0"/>
+              <a:t> </a:t>
+            </a:r>
+            <a:r>
+              <a:rPr lang="mr-IN" dirty="0" err="1"/>
+              <a:t>log</a:t>
+            </a:r>
+            <a:r>
+              <a:rPr lang="mr-IN" dirty="0"/>
+              <a:t>(</a:t>
+            </a:r>
+            <a:r>
+              <a:rPr lang="mr-IN" dirty="0" err="1"/>
+              <a:t>n</a:t>
+            </a:r>
+            <a:r>
+              <a:rPr lang="mr-IN" dirty="0"/>
+              <a:t>))</a:t>
+            </a:r>
+            <a:endParaRPr lang="en-US" dirty="0"/>
           </a:p>
         </p:txBody>
       </p:sp>
     </p:spTree>
     <p:extLst>
       <p:ext uri="{BB962C8B-B14F-4D97-AF65-F5344CB8AC3E}">
-        <p14:creationId xmlns:p14="http://schemas.microsoft.com/office/powerpoint/2010/main" val="2078693501"/>
+        <p14:creationId xmlns:p14="http://schemas.microsoft.com/office/powerpoint/2010/main" val="1791534345"/>
       </p:ext>
     </p:extLst>
   </p:cSld>

--- a/Presentation1.pptx
+++ b/Presentation1.pptx
@@ -4112,11 +4112,7 @@
           <a:p>
             <a:r>
               <a:rPr lang="en-US" dirty="0" smtClean="0"/>
-              <a:t>Merge Sort </a:t>
-            </a:r>
-            <a:r>
-              <a:rPr lang="en-US" smtClean="0"/>
-              <a:t>time Complexity Analysis</a:t>
+              <a:t>Merge Sort time Complexity Analysis</a:t>
             </a:r>
             <a:endParaRPr lang="en-US" dirty="0"/>
           </a:p>
@@ -4693,7 +4689,7 @@
           <a:p>
             <a:r>
               <a:rPr lang="en-US" dirty="0" smtClean="0"/>
-              <a:t>Left node smaller than right node </a:t>
+              <a:t>Left node smaller than right node and both nodes smaller than parent node</a:t>
             </a:r>
           </a:p>
           <a:p>
@@ -4858,9 +4854,18 @@
               <a:t>n</a:t>
             </a:r>
             <a:r>
-              <a:rPr lang="mr-IN" dirty="0"/>
+              <a:rPr lang="mr-IN" dirty="0" smtClean="0"/>
               <a:t>))</a:t>
             </a:r>
+            <a:endParaRPr lang="en-US" dirty="0" smtClean="0"/>
+          </a:p>
+          <a:p>
+            <a:r>
+              <a:rPr lang="en-US" dirty="0" smtClean="0"/>
+              <a:t>Sorting Code Example</a:t>
+            </a:r>
+          </a:p>
+          <a:p>
             <a:endParaRPr lang="en-US" dirty="0"/>
           </a:p>
         </p:txBody>
